--- a/Chap/OOProg02/Presentations/InheritanceAbstract.pptx
+++ b/Chap/OOProg02/Presentations/InheritanceAbstract.pptx
@@ -246,7 +246,7 @@
           <a:p>
             <a:fld id="{E15B7D8E-2A20-4C0E-991C-872DBB7459A8}" type="datetimeFigureOut">
               <a:rPr lang="da-DK" smtClean="0"/>
-              <a:t>12-08-2022</a:t>
+              <a:t>26-08-2024</a:t>
             </a:fld>
             <a:endParaRPr lang="da-DK"/>
           </a:p>
@@ -414,7 +414,7 @@
           <a:p>
             <a:fld id="{E15B7D8E-2A20-4C0E-991C-872DBB7459A8}" type="datetimeFigureOut">
               <a:rPr lang="da-DK" smtClean="0"/>
-              <a:t>12-08-2022</a:t>
+              <a:t>26-08-2024</a:t>
             </a:fld>
             <a:endParaRPr lang="da-DK"/>
           </a:p>
@@ -592,7 +592,7 @@
           <a:p>
             <a:fld id="{E15B7D8E-2A20-4C0E-991C-872DBB7459A8}" type="datetimeFigureOut">
               <a:rPr lang="da-DK" smtClean="0"/>
-              <a:t>12-08-2022</a:t>
+              <a:t>26-08-2024</a:t>
             </a:fld>
             <a:endParaRPr lang="da-DK"/>
           </a:p>
@@ -760,7 +760,7 @@
           <a:p>
             <a:fld id="{E15B7D8E-2A20-4C0E-991C-872DBB7459A8}" type="datetimeFigureOut">
               <a:rPr lang="da-DK" smtClean="0"/>
-              <a:t>12-08-2022</a:t>
+              <a:t>26-08-2024</a:t>
             </a:fld>
             <a:endParaRPr lang="da-DK"/>
           </a:p>
@@ -1005,7 +1005,7 @@
           <a:p>
             <a:fld id="{E15B7D8E-2A20-4C0E-991C-872DBB7459A8}" type="datetimeFigureOut">
               <a:rPr lang="da-DK" smtClean="0"/>
-              <a:t>12-08-2022</a:t>
+              <a:t>26-08-2024</a:t>
             </a:fld>
             <a:endParaRPr lang="da-DK"/>
           </a:p>
@@ -1234,7 +1234,7 @@
           <a:p>
             <a:fld id="{E15B7D8E-2A20-4C0E-991C-872DBB7459A8}" type="datetimeFigureOut">
               <a:rPr lang="da-DK" smtClean="0"/>
-              <a:t>12-08-2022</a:t>
+              <a:t>26-08-2024</a:t>
             </a:fld>
             <a:endParaRPr lang="da-DK"/>
           </a:p>
@@ -1598,7 +1598,7 @@
           <a:p>
             <a:fld id="{E15B7D8E-2A20-4C0E-991C-872DBB7459A8}" type="datetimeFigureOut">
               <a:rPr lang="da-DK" smtClean="0"/>
-              <a:t>12-08-2022</a:t>
+              <a:t>26-08-2024</a:t>
             </a:fld>
             <a:endParaRPr lang="da-DK"/>
           </a:p>
@@ -1715,7 +1715,7 @@
           <a:p>
             <a:fld id="{E15B7D8E-2A20-4C0E-991C-872DBB7459A8}" type="datetimeFigureOut">
               <a:rPr lang="da-DK" smtClean="0"/>
-              <a:t>12-08-2022</a:t>
+              <a:t>26-08-2024</a:t>
             </a:fld>
             <a:endParaRPr lang="da-DK"/>
           </a:p>
@@ -1810,7 +1810,7 @@
           <a:p>
             <a:fld id="{E15B7D8E-2A20-4C0E-991C-872DBB7459A8}" type="datetimeFigureOut">
               <a:rPr lang="da-DK" smtClean="0"/>
-              <a:t>12-08-2022</a:t>
+              <a:t>26-08-2024</a:t>
             </a:fld>
             <a:endParaRPr lang="da-DK"/>
           </a:p>
@@ -2085,7 +2085,7 @@
           <a:p>
             <a:fld id="{E15B7D8E-2A20-4C0E-991C-872DBB7459A8}" type="datetimeFigureOut">
               <a:rPr lang="da-DK" smtClean="0"/>
-              <a:t>12-08-2022</a:t>
+              <a:t>26-08-2024</a:t>
             </a:fld>
             <a:endParaRPr lang="da-DK"/>
           </a:p>
@@ -2337,7 +2337,7 @@
           <a:p>
             <a:fld id="{E15B7D8E-2A20-4C0E-991C-872DBB7459A8}" type="datetimeFigureOut">
               <a:rPr lang="da-DK" smtClean="0"/>
-              <a:t>12-08-2022</a:t>
+              <a:t>26-08-2024</a:t>
             </a:fld>
             <a:endParaRPr lang="da-DK"/>
           </a:p>
@@ -2548,7 +2548,7 @@
           <a:p>
             <a:fld id="{E15B7D8E-2A20-4C0E-991C-872DBB7459A8}" type="datetimeFigureOut">
               <a:rPr lang="da-DK" smtClean="0"/>
-              <a:t>12-08-2022</a:t>
+              <a:t>26-08-2024</a:t>
             </a:fld>
             <a:endParaRPr lang="da-DK"/>
           </a:p>
@@ -2965,7 +2965,7 @@
         </p:nvSpPr>
         <p:spPr>
           <a:xfrm>
-            <a:off x="1127377" y="1612259"/>
+            <a:off x="1107499" y="1683821"/>
             <a:ext cx="9144000" cy="2312652"/>
           </a:xfrm>
         </p:spPr>
